--- a/Images/AGOL_Extract_Graphic_DBeaver.pptx
+++ b/Images/AGOL_Extract_Graphic_DBeaver.pptx
@@ -4026,10 +4026,10 @@
           </p:nvGrpSpPr>
           <p:grpSpPr>
             <a:xfrm>
-              <a:off x="4894036" y="1731560"/>
-              <a:ext cx="2339954" cy="2608496"/>
-              <a:chOff x="4966187" y="1282069"/>
-              <a:chExt cx="2339954" cy="2608496"/>
+              <a:off x="4830028" y="1587487"/>
+              <a:ext cx="2339954" cy="2780001"/>
+              <a:chOff x="4902179" y="1137996"/>
+              <a:chExt cx="2339954" cy="2780001"/>
             </a:xfrm>
           </p:grpSpPr>
           <p:pic>
@@ -4048,6 +4048,7 @@
             </p:nvPicPr>
             <p:blipFill>
               <a:blip r:embed="rId7">
+                <a:alphaModFix amt="80000"/>
                 <a:extLst>
                   <a:ext uri="{96DAC541-7B7A-43D3-8B79-37D633B846F1}">
                     <asvg:svgBlip xmlns:asvg="http://schemas.microsoft.com/office/drawing/2016/SVG/main" r:embed="rId8"/>
@@ -4059,9 +4060,9 @@
               </a:stretch>
             </p:blipFill>
             <p:spPr>
-              <a:xfrm flipH="1">
-                <a:off x="5029107" y="1282069"/>
-                <a:ext cx="2069812" cy="2069814"/>
+              <a:xfrm rot="19022073" flipH="1">
+                <a:off x="5420104" y="1137996"/>
+                <a:ext cx="1788614" cy="1788616"/>
               </a:xfrm>
               <a:prstGeom prst="rect">
                 <a:avLst/>
@@ -4089,9 +4090,9 @@
             </p:nvGrpSpPr>
             <p:grpSpPr>
               <a:xfrm>
-                <a:off x="4966187" y="2283098"/>
+                <a:off x="4902179" y="2310530"/>
                 <a:ext cx="2339954" cy="1607467"/>
-                <a:chOff x="4859127" y="2283099"/>
+                <a:chOff x="4795119" y="2310531"/>
                 <a:chExt cx="2339954" cy="1607467"/>
               </a:xfrm>
             </p:grpSpPr>
@@ -4123,7 +4124,7 @@
               </p:blipFill>
               <p:spPr>
                 <a:xfrm>
-                  <a:off x="5073248" y="2283099"/>
+                  <a:off x="5009240" y="2310531"/>
                   <a:ext cx="1504154" cy="1410291"/>
                 </a:xfrm>
                 <a:prstGeom prst="rect">
@@ -4152,7 +4153,7 @@
               </p:nvSpPr>
               <p:spPr>
                 <a:xfrm flipH="1">
-                  <a:off x="6436577" y="2813960"/>
+                  <a:off x="6372569" y="2841392"/>
                   <a:ext cx="422524" cy="785836"/>
                 </a:xfrm>
                 <a:prstGeom prst="bentArrow">
@@ -4223,7 +4224,7 @@
               </p:blipFill>
               <p:spPr>
                 <a:xfrm>
-                  <a:off x="6412756" y="3104730"/>
+                  <a:off x="6348748" y="3132162"/>
                   <a:ext cx="786325" cy="785836"/>
                 </a:xfrm>
                 <a:prstGeom prst="rect">
@@ -4266,7 +4267,7 @@
               </p:blipFill>
               <p:spPr>
                 <a:xfrm>
-                  <a:off x="4859127" y="3080355"/>
+                  <a:off x="4795119" y="3107787"/>
                   <a:ext cx="677691" cy="677691"/>
                 </a:xfrm>
                 <a:prstGeom prst="rect">
